--- a/图形学算法/梁-barsky/梁-barsky.pptx
+++ b/图形学算法/梁-barsky/梁-barsky.pptx
@@ -6,6 +6,8 @@
   </p:sldMasterIdLst>
   <p:sldIdLst>
     <p:sldId id="256" r:id="rId2"/>
+    <p:sldId id="257" r:id="rId3"/>
+    <p:sldId id="258" r:id="rId4"/>
   </p:sldIdLst>
   <p:sldSz cx="12192000" cy="6858000"/>
   <p:notesSz cx="6858000" cy="9144000"/>
@@ -3459,13 +3461,15 @@
               </a:ext>
             </a:extLst>
           </p:cNvPr>
-          <p:cNvCxnSpPr/>
+          <p:cNvCxnSpPr>
+            <a:cxnSpLocks/>
+          </p:cNvCxnSpPr>
           <p:nvPr/>
         </p:nvCxnSpPr>
         <p:spPr>
           <a:xfrm>
             <a:off x="1772596" y="1481070"/>
-            <a:ext cx="3404711" cy="631730"/>
+            <a:ext cx="5932623" cy="1687133"/>
           </a:xfrm>
           <a:prstGeom prst="line">
             <a:avLst/>
@@ -3508,7 +3512,7 @@
         <p:spPr>
           <a:xfrm>
             <a:off x="1568854" y="1008707"/>
-            <a:ext cx="407484" cy="369332"/>
+            <a:ext cx="367408" cy="369332"/>
           </a:xfrm>
           <a:prstGeom prst="rect">
             <a:avLst/>
@@ -3523,7 +3527,315 @@
           <a:p>
             <a:r>
               <a:rPr kumimoji="1" lang="en-US" altLang="zh-CN" dirty="0"/>
-              <a:t>x0</a:t>
+              <a:t>x</a:t>
+            </a:r>
+            <a:r>
+              <a:rPr kumimoji="1" lang="en-US" altLang="zh-CN" baseline="-25000" dirty="0"/>
+              <a:t>0</a:t>
+            </a:r>
+            <a:endParaRPr kumimoji="1" lang="zh-CN" altLang="en-US" baseline="-25000" dirty="0"/>
+          </a:p>
+        </p:txBody>
+      </p:sp>
+      <p:sp>
+        <p:nvSpPr>
+          <p:cNvPr id="10" name="文本框 9">
+            <a:extLst>
+              <a:ext uri="{FF2B5EF4-FFF2-40B4-BE49-F238E27FC236}">
+                <a16:creationId xmlns:a16="http://schemas.microsoft.com/office/drawing/2014/main" id="{EABCB77F-3F6C-2143-8947-588E66A7154F}"/>
+              </a:ext>
+            </a:extLst>
+          </p:cNvPr>
+          <p:cNvSpPr txBox="1"/>
+          <p:nvPr/>
+        </p:nvSpPr>
+        <p:spPr>
+          <a:xfrm>
+            <a:off x="7436555" y="2513790"/>
+            <a:ext cx="537327" cy="369332"/>
+          </a:xfrm>
+          <a:prstGeom prst="rect">
+            <a:avLst/>
+          </a:prstGeom>
+          <a:noFill/>
+        </p:spPr>
+        <p:txBody>
+          <a:bodyPr wrap="none" rtlCol="0">
+            <a:spAutoFit/>
+          </a:bodyPr>
+          <a:lstStyle/>
+          <a:p>
+            <a:r>
+              <a:rPr kumimoji="1" lang="en-US" altLang="zh-CN" dirty="0" err="1"/>
+              <a:t>x</a:t>
+            </a:r>
+            <a:r>
+              <a:rPr kumimoji="1" lang="en-US" altLang="zh-CN" baseline="-25000" dirty="0" err="1"/>
+              <a:t>end</a:t>
+            </a:r>
+            <a:endParaRPr kumimoji="1" lang="zh-CN" altLang="en-US" baseline="-25000" dirty="0"/>
+          </a:p>
+        </p:txBody>
+      </p:sp>
+      <p:sp>
+        <p:nvSpPr>
+          <p:cNvPr id="14" name="左大括号 13">
+            <a:extLst>
+              <a:ext uri="{FF2B5EF4-FFF2-40B4-BE49-F238E27FC236}">
+                <a16:creationId xmlns:a16="http://schemas.microsoft.com/office/drawing/2014/main" id="{FA04EB87-E305-BE46-8E31-78FCA0F2088B}"/>
+              </a:ext>
+            </a:extLst>
+          </p:cNvPr>
+          <p:cNvSpPr/>
+          <p:nvPr/>
+        </p:nvSpPr>
+        <p:spPr>
+          <a:xfrm rot="16200000">
+            <a:off x="1779113" y="1590874"/>
+            <a:ext cx="283335" cy="572778"/>
+          </a:xfrm>
+          <a:prstGeom prst="leftBrace">
+            <a:avLst/>
+          </a:prstGeom>
+        </p:spPr>
+        <p:style>
+          <a:lnRef idx="1">
+            <a:schemeClr val="accent1"/>
+          </a:lnRef>
+          <a:fillRef idx="0">
+            <a:schemeClr val="accent1"/>
+          </a:fillRef>
+          <a:effectRef idx="0">
+            <a:schemeClr val="accent1"/>
+          </a:effectRef>
+          <a:fontRef idx="minor">
+            <a:schemeClr val="tx1"/>
+          </a:fontRef>
+        </p:style>
+        <p:txBody>
+          <a:bodyPr rtlCol="0" anchor="ctr"/>
+          <a:lstStyle/>
+          <a:p>
+            <a:pPr algn="ctr"/>
+            <a:endParaRPr kumimoji="1" lang="zh-CN" altLang="en-US"/>
+          </a:p>
+        </p:txBody>
+      </p:sp>
+      <p:sp>
+        <p:nvSpPr>
+          <p:cNvPr id="15" name="左大括号 14">
+            <a:extLst>
+              <a:ext uri="{FF2B5EF4-FFF2-40B4-BE49-F238E27FC236}">
+                <a16:creationId xmlns:a16="http://schemas.microsoft.com/office/drawing/2014/main" id="{3F449AF3-21CA-F748-B62B-AE5DF5AFD64B}"/>
+              </a:ext>
+            </a:extLst>
+          </p:cNvPr>
+          <p:cNvSpPr/>
+          <p:nvPr/>
+        </p:nvSpPr>
+        <p:spPr>
+          <a:xfrm rot="16200000">
+            <a:off x="4122132" y="483852"/>
+            <a:ext cx="369332" cy="5475889"/>
+          </a:xfrm>
+          <a:prstGeom prst="leftBrace">
+            <a:avLst/>
+          </a:prstGeom>
+        </p:spPr>
+        <p:style>
+          <a:lnRef idx="1">
+            <a:schemeClr val="accent1"/>
+          </a:lnRef>
+          <a:fillRef idx="0">
+            <a:schemeClr val="accent1"/>
+          </a:fillRef>
+          <a:effectRef idx="0">
+            <a:schemeClr val="accent1"/>
+          </a:effectRef>
+          <a:fontRef idx="minor">
+            <a:schemeClr val="tx1"/>
+          </a:fontRef>
+        </p:style>
+        <p:txBody>
+          <a:bodyPr rtlCol="0" anchor="ctr"/>
+          <a:lstStyle/>
+          <a:p>
+            <a:pPr algn="ctr"/>
+            <a:endParaRPr kumimoji="1" lang="zh-CN" altLang="en-US"/>
+          </a:p>
+        </p:txBody>
+      </p:sp>
+      <p:sp>
+        <p:nvSpPr>
+          <p:cNvPr id="16" name="文本框 15">
+            <a:extLst>
+              <a:ext uri="{FF2B5EF4-FFF2-40B4-BE49-F238E27FC236}">
+                <a16:creationId xmlns:a16="http://schemas.microsoft.com/office/drawing/2014/main" id="{F7BBB84B-65C9-764E-B932-7377158EFD14}"/>
+              </a:ext>
+            </a:extLst>
+          </p:cNvPr>
+          <p:cNvSpPr txBox="1"/>
+          <p:nvPr/>
+        </p:nvSpPr>
+        <p:spPr>
+          <a:xfrm>
+            <a:off x="1064869" y="2112800"/>
+            <a:ext cx="1742785" cy="369332"/>
+          </a:xfrm>
+          <a:prstGeom prst="rect">
+            <a:avLst/>
+          </a:prstGeom>
+          <a:noFill/>
+        </p:spPr>
+        <p:txBody>
+          <a:bodyPr wrap="none" rtlCol="0">
+            <a:spAutoFit/>
+          </a:bodyPr>
+          <a:lstStyle/>
+          <a:p>
+            <a:r>
+              <a:rPr kumimoji="1" lang="en-US" altLang="zh-CN" dirty="0"/>
+              <a:t>(x</a:t>
+            </a:r>
+            <a:r>
+              <a:rPr kumimoji="1" lang="en-US" altLang="zh-CN" baseline="-25000" dirty="0"/>
+              <a:t>0</a:t>
+            </a:r>
+            <a:r>
+              <a:rPr kumimoji="1" lang="en-US" altLang="zh-CN" dirty="0"/>
+              <a:t>-xWmin)/-</a:t>
+            </a:r>
+            <a:r>
+              <a:rPr kumimoji="1" lang="zh-CN" altLang="en-US" dirty="0"/>
+              <a:t>∆</a:t>
+            </a:r>
+            <a:r>
+              <a:rPr kumimoji="1" lang="en-US" altLang="zh-CN" dirty="0"/>
+              <a:t>x</a:t>
+            </a:r>
+            <a:endParaRPr kumimoji="1" lang="zh-CN" altLang="en-US" dirty="0"/>
+          </a:p>
+        </p:txBody>
+      </p:sp>
+      <p:sp>
+        <p:nvSpPr>
+          <p:cNvPr id="17" name="文本框 16">
+            <a:extLst>
+              <a:ext uri="{FF2B5EF4-FFF2-40B4-BE49-F238E27FC236}">
+                <a16:creationId xmlns:a16="http://schemas.microsoft.com/office/drawing/2014/main" id="{896E5FD1-BF66-6A4B-B67E-CD7F597DB075}"/>
+              </a:ext>
+            </a:extLst>
+          </p:cNvPr>
+          <p:cNvSpPr txBox="1"/>
+          <p:nvPr/>
+        </p:nvSpPr>
+        <p:spPr>
+          <a:xfrm>
+            <a:off x="3473877" y="3292422"/>
+            <a:ext cx="1665841" cy="369332"/>
+          </a:xfrm>
+          <a:prstGeom prst="rect">
+            <a:avLst/>
+          </a:prstGeom>
+          <a:noFill/>
+        </p:spPr>
+        <p:txBody>
+          <a:bodyPr wrap="none" rtlCol="0">
+            <a:spAutoFit/>
+          </a:bodyPr>
+          <a:lstStyle/>
+          <a:p>
+            <a:r>
+              <a:rPr kumimoji="1" lang="en-US" altLang="zh-CN" dirty="0"/>
+              <a:t>(xWmax-x</a:t>
+            </a:r>
+            <a:r>
+              <a:rPr kumimoji="1" lang="en-US" altLang="zh-CN" baseline="-25000" dirty="0"/>
+              <a:t>0</a:t>
+            </a:r>
+            <a:r>
+              <a:rPr kumimoji="1" lang="en-US" altLang="zh-CN" dirty="0"/>
+              <a:t>)/</a:t>
+            </a:r>
+            <a:r>
+              <a:rPr kumimoji="1" lang="zh-CN" altLang="en-US" dirty="0"/>
+              <a:t>∆</a:t>
+            </a:r>
+            <a:r>
+              <a:rPr kumimoji="1" lang="en-US" altLang="zh-CN" dirty="0"/>
+              <a:t>x</a:t>
+            </a:r>
+            <a:endParaRPr kumimoji="1" lang="zh-CN" altLang="en-US" dirty="0"/>
+          </a:p>
+        </p:txBody>
+      </p:sp>
+      <p:sp>
+        <p:nvSpPr>
+          <p:cNvPr id="19" name="文本框 18">
+            <a:extLst>
+              <a:ext uri="{FF2B5EF4-FFF2-40B4-BE49-F238E27FC236}">
+                <a16:creationId xmlns:a16="http://schemas.microsoft.com/office/drawing/2014/main" id="{F4E4BDFD-04B1-C943-A48E-F8486C46EFBA}"/>
+              </a:ext>
+            </a:extLst>
+          </p:cNvPr>
+          <p:cNvSpPr txBox="1"/>
+          <p:nvPr/>
+        </p:nvSpPr>
+        <p:spPr>
+          <a:xfrm>
+            <a:off x="1947918" y="4761229"/>
+            <a:ext cx="5581977" cy="369332"/>
+          </a:xfrm>
+          <a:prstGeom prst="rect">
+            <a:avLst/>
+          </a:prstGeom>
+          <a:noFill/>
+        </p:spPr>
+        <p:txBody>
+          <a:bodyPr wrap="none" rtlCol="0">
+            <a:spAutoFit/>
+          </a:bodyPr>
+          <a:lstStyle/>
+          <a:p>
+            <a:r>
+              <a:rPr kumimoji="1" lang="zh-CN" altLang="en-US" dirty="0"/>
+              <a:t>解出范围区间。</a:t>
+            </a:r>
+            <a:r>
+              <a:rPr kumimoji="1" lang="en-US" altLang="zh-CN" dirty="0"/>
+              <a:t>(x</a:t>
+            </a:r>
+            <a:r>
+              <a:rPr kumimoji="1" lang="en-US" altLang="zh-CN" baseline="-25000" dirty="0"/>
+              <a:t>0</a:t>
+            </a:r>
+            <a:r>
+              <a:rPr kumimoji="1" lang="en-US" altLang="zh-CN" dirty="0"/>
+              <a:t>-xWmin)/-</a:t>
+            </a:r>
+            <a:r>
+              <a:rPr kumimoji="1" lang="zh-CN" altLang="en-US" dirty="0"/>
+              <a:t>∆</a:t>
+            </a:r>
+            <a:r>
+              <a:rPr kumimoji="1" lang="en-US" altLang="zh-CN" dirty="0"/>
+              <a:t>x&lt;=u&lt;=(xWmax-x</a:t>
+            </a:r>
+            <a:r>
+              <a:rPr kumimoji="1" lang="en-US" altLang="zh-CN" baseline="-25000" dirty="0"/>
+              <a:t>0</a:t>
+            </a:r>
+            <a:r>
+              <a:rPr kumimoji="1" lang="en-US" altLang="zh-CN" dirty="0"/>
+              <a:t>)/</a:t>
+            </a:r>
+            <a:r>
+              <a:rPr kumimoji="1" lang="zh-CN" altLang="en-US" dirty="0"/>
+              <a:t>∆</a:t>
+            </a:r>
+            <a:r>
+              <a:rPr kumimoji="1" lang="en-US" altLang="zh-CN" dirty="0"/>
+              <a:t>x</a:t>
             </a:r>
             <a:endParaRPr kumimoji="1" lang="zh-CN" altLang="en-US" dirty="0"/>
           </a:p>
@@ -3533,6 +3845,954 @@
     <p:extLst>
       <p:ext uri="{BB962C8B-B14F-4D97-AF65-F5344CB8AC3E}">
         <p14:creationId xmlns:p14="http://schemas.microsoft.com/office/powerpoint/2010/main" val="779296132"/>
+      </p:ext>
+    </p:extLst>
+  </p:cSld>
+  <p:clrMapOvr>
+    <a:masterClrMapping/>
+  </p:clrMapOvr>
+</p:sld>
+</file>
+
+<file path=ppt/slides/slide2.xml><?xml version="1.0" encoding="utf-8"?>
+<p:sld xmlns:a="http://schemas.openxmlformats.org/drawingml/2006/main" xmlns:r="http://schemas.openxmlformats.org/officeDocument/2006/relationships" xmlns:p="http://schemas.openxmlformats.org/presentationml/2006/main">
+  <p:cSld>
+    <p:spTree>
+      <p:nvGrpSpPr>
+        <p:cNvPr id="1" name=""/>
+        <p:cNvGrpSpPr/>
+        <p:nvPr/>
+      </p:nvGrpSpPr>
+      <p:grpSpPr>
+        <a:xfrm>
+          <a:off x="0" y="0"/>
+          <a:ext cx="0" cy="0"/>
+          <a:chOff x="0" y="0"/>
+          <a:chExt cx="0" cy="0"/>
+        </a:xfrm>
+      </p:grpSpPr>
+      <p:sp>
+        <p:nvSpPr>
+          <p:cNvPr id="4" name="矩形 3">
+            <a:extLst>
+              <a:ext uri="{FF2B5EF4-FFF2-40B4-BE49-F238E27FC236}">
+                <a16:creationId xmlns:a16="http://schemas.microsoft.com/office/drawing/2014/main" id="{186029F7-7E26-0B41-844B-1CB1E74289B8}"/>
+              </a:ext>
+            </a:extLst>
+          </p:cNvPr>
+          <p:cNvSpPr/>
+          <p:nvPr/>
+        </p:nvSpPr>
+        <p:spPr>
+          <a:xfrm>
+            <a:off x="2207171" y="529365"/>
+            <a:ext cx="4837572" cy="3166871"/>
+          </a:xfrm>
+          <a:prstGeom prst="rect">
+            <a:avLst/>
+          </a:prstGeom>
+          <a:noFill/>
+          <a:ln w="25400">
+            <a:solidFill>
+              <a:srgbClr val="FF0000"/>
+            </a:solidFill>
+          </a:ln>
+        </p:spPr>
+        <p:style>
+          <a:lnRef idx="2">
+            <a:schemeClr val="accent1">
+              <a:shade val="50000"/>
+            </a:schemeClr>
+          </a:lnRef>
+          <a:fillRef idx="1">
+            <a:schemeClr val="accent1"/>
+          </a:fillRef>
+          <a:effectRef idx="0">
+            <a:schemeClr val="accent1"/>
+          </a:effectRef>
+          <a:fontRef idx="minor">
+            <a:schemeClr val="lt1"/>
+          </a:fontRef>
+        </p:style>
+        <p:txBody>
+          <a:bodyPr rtlCol="0" anchor="ctr"/>
+          <a:lstStyle/>
+          <a:p>
+            <a:pPr algn="ctr"/>
+            <a:endParaRPr kumimoji="1" lang="zh-CN" altLang="en-US" dirty="0"/>
+          </a:p>
+        </p:txBody>
+      </p:sp>
+      <p:sp>
+        <p:nvSpPr>
+          <p:cNvPr id="5" name="文本框 4">
+            <a:extLst>
+              <a:ext uri="{FF2B5EF4-FFF2-40B4-BE49-F238E27FC236}">
+                <a16:creationId xmlns:a16="http://schemas.microsoft.com/office/drawing/2014/main" id="{8A94156B-F5BD-CB40-9295-B2ECB6C925BE}"/>
+              </a:ext>
+            </a:extLst>
+          </p:cNvPr>
+          <p:cNvSpPr txBox="1"/>
+          <p:nvPr/>
+        </p:nvSpPr>
+        <p:spPr>
+          <a:xfrm>
+            <a:off x="1772596" y="4524845"/>
+            <a:ext cx="869149" cy="369332"/>
+          </a:xfrm>
+          <a:prstGeom prst="rect">
+            <a:avLst/>
+          </a:prstGeom>
+          <a:noFill/>
+        </p:spPr>
+        <p:txBody>
+          <a:bodyPr wrap="none" rtlCol="0">
+            <a:spAutoFit/>
+          </a:bodyPr>
+          <a:lstStyle/>
+          <a:p>
+            <a:r>
+              <a:rPr kumimoji="1" lang="en-US" altLang="zh-CN" dirty="0" err="1"/>
+              <a:t>xWmin</a:t>
+            </a:r>
+            <a:endParaRPr kumimoji="1" lang="zh-CN" altLang="en-US" dirty="0"/>
+          </a:p>
+        </p:txBody>
+      </p:sp>
+      <p:sp>
+        <p:nvSpPr>
+          <p:cNvPr id="6" name="文本框 5">
+            <a:extLst>
+              <a:ext uri="{FF2B5EF4-FFF2-40B4-BE49-F238E27FC236}">
+                <a16:creationId xmlns:a16="http://schemas.microsoft.com/office/drawing/2014/main" id="{4AA5B2F6-A2CE-694F-A456-E1078D9E4658}"/>
+              </a:ext>
+            </a:extLst>
+          </p:cNvPr>
+          <p:cNvSpPr txBox="1"/>
+          <p:nvPr/>
+        </p:nvSpPr>
+        <p:spPr>
+          <a:xfrm>
+            <a:off x="6726078" y="4524845"/>
+            <a:ext cx="907621" cy="369332"/>
+          </a:xfrm>
+          <a:prstGeom prst="rect">
+            <a:avLst/>
+          </a:prstGeom>
+          <a:noFill/>
+        </p:spPr>
+        <p:txBody>
+          <a:bodyPr wrap="none" rtlCol="0">
+            <a:spAutoFit/>
+          </a:bodyPr>
+          <a:lstStyle/>
+          <a:p>
+            <a:r>
+              <a:rPr kumimoji="1" lang="en-US" altLang="zh-CN" dirty="0" err="1"/>
+              <a:t>xWmax</a:t>
+            </a:r>
+            <a:endParaRPr kumimoji="1" lang="zh-CN" altLang="en-US" dirty="0"/>
+          </a:p>
+        </p:txBody>
+      </p:sp>
+      <p:cxnSp>
+        <p:nvCxnSpPr>
+          <p:cNvPr id="3" name="直线连接符 2">
+            <a:extLst>
+              <a:ext uri="{FF2B5EF4-FFF2-40B4-BE49-F238E27FC236}">
+                <a16:creationId xmlns:a16="http://schemas.microsoft.com/office/drawing/2014/main" id="{D9BEBA26-C76C-3940-8B03-3EDBB20BA2E7}"/>
+              </a:ext>
+            </a:extLst>
+          </p:cNvPr>
+          <p:cNvCxnSpPr>
+            <a:cxnSpLocks/>
+          </p:cNvCxnSpPr>
+          <p:nvPr/>
+        </p:nvCxnSpPr>
+        <p:spPr>
+          <a:xfrm>
+            <a:off x="2207171" y="321973"/>
+            <a:ext cx="0" cy="4211392"/>
+          </a:xfrm>
+          <a:prstGeom prst="line">
+            <a:avLst/>
+          </a:prstGeom>
+          <a:ln w="12700">
+            <a:prstDash val="dash"/>
+          </a:ln>
+        </p:spPr>
+        <p:style>
+          <a:lnRef idx="1">
+            <a:schemeClr val="accent1"/>
+          </a:lnRef>
+          <a:fillRef idx="0">
+            <a:schemeClr val="accent1"/>
+          </a:fillRef>
+          <a:effectRef idx="0">
+            <a:schemeClr val="accent1"/>
+          </a:effectRef>
+          <a:fontRef idx="minor">
+            <a:schemeClr val="tx1"/>
+          </a:fontRef>
+        </p:style>
+      </p:cxnSp>
+      <p:cxnSp>
+        <p:nvCxnSpPr>
+          <p:cNvPr id="10" name="直线连接符 9">
+            <a:extLst>
+              <a:ext uri="{FF2B5EF4-FFF2-40B4-BE49-F238E27FC236}">
+                <a16:creationId xmlns:a16="http://schemas.microsoft.com/office/drawing/2014/main" id="{4C02D664-2151-A747-B3A2-D9D23CCF830E}"/>
+              </a:ext>
+            </a:extLst>
+          </p:cNvPr>
+          <p:cNvCxnSpPr>
+            <a:cxnSpLocks/>
+          </p:cNvCxnSpPr>
+          <p:nvPr/>
+        </p:nvCxnSpPr>
+        <p:spPr>
+          <a:xfrm>
+            <a:off x="7044743" y="321973"/>
+            <a:ext cx="0" cy="4211392"/>
+          </a:xfrm>
+          <a:prstGeom prst="line">
+            <a:avLst/>
+          </a:prstGeom>
+          <a:ln w="12700">
+            <a:prstDash val="dash"/>
+          </a:ln>
+        </p:spPr>
+        <p:style>
+          <a:lnRef idx="1">
+            <a:schemeClr val="accent1"/>
+          </a:lnRef>
+          <a:fillRef idx="0">
+            <a:schemeClr val="accent1"/>
+          </a:fillRef>
+          <a:effectRef idx="0">
+            <a:schemeClr val="accent1"/>
+          </a:effectRef>
+          <a:fontRef idx="minor">
+            <a:schemeClr val="tx1"/>
+          </a:fontRef>
+        </p:style>
+      </p:cxnSp>
+      <p:cxnSp>
+        <p:nvCxnSpPr>
+          <p:cNvPr id="11" name="直线连接符 10">
+            <a:extLst>
+              <a:ext uri="{FF2B5EF4-FFF2-40B4-BE49-F238E27FC236}">
+                <a16:creationId xmlns:a16="http://schemas.microsoft.com/office/drawing/2014/main" id="{C4FF5517-721D-B043-B4E7-3A34F0C88083}"/>
+              </a:ext>
+            </a:extLst>
+          </p:cNvPr>
+          <p:cNvCxnSpPr>
+            <a:cxnSpLocks/>
+          </p:cNvCxnSpPr>
+          <p:nvPr/>
+        </p:nvCxnSpPr>
+        <p:spPr>
+          <a:xfrm flipH="1" flipV="1">
+            <a:off x="1916806" y="3694091"/>
+            <a:ext cx="6055217" cy="2145"/>
+          </a:xfrm>
+          <a:prstGeom prst="line">
+            <a:avLst/>
+          </a:prstGeom>
+          <a:ln w="12700">
+            <a:prstDash val="dash"/>
+          </a:ln>
+        </p:spPr>
+        <p:style>
+          <a:lnRef idx="1">
+            <a:schemeClr val="accent1"/>
+          </a:lnRef>
+          <a:fillRef idx="0">
+            <a:schemeClr val="accent1"/>
+          </a:fillRef>
+          <a:effectRef idx="0">
+            <a:schemeClr val="accent1"/>
+          </a:effectRef>
+          <a:fontRef idx="minor">
+            <a:schemeClr val="tx1"/>
+          </a:fontRef>
+        </p:style>
+      </p:cxnSp>
+      <p:cxnSp>
+        <p:nvCxnSpPr>
+          <p:cNvPr id="14" name="直线连接符 13">
+            <a:extLst>
+              <a:ext uri="{FF2B5EF4-FFF2-40B4-BE49-F238E27FC236}">
+                <a16:creationId xmlns:a16="http://schemas.microsoft.com/office/drawing/2014/main" id="{0EDE15EF-DD00-D149-B0F6-945837ADA1E5}"/>
+              </a:ext>
+            </a:extLst>
+          </p:cNvPr>
+          <p:cNvCxnSpPr>
+            <a:cxnSpLocks/>
+          </p:cNvCxnSpPr>
+          <p:nvPr/>
+        </p:nvCxnSpPr>
+        <p:spPr>
+          <a:xfrm flipH="1" flipV="1">
+            <a:off x="1916806" y="527220"/>
+            <a:ext cx="6055217" cy="2145"/>
+          </a:xfrm>
+          <a:prstGeom prst="line">
+            <a:avLst/>
+          </a:prstGeom>
+          <a:ln w="12700">
+            <a:prstDash val="dash"/>
+          </a:ln>
+        </p:spPr>
+        <p:style>
+          <a:lnRef idx="1">
+            <a:schemeClr val="accent1"/>
+          </a:lnRef>
+          <a:fillRef idx="0">
+            <a:schemeClr val="accent1"/>
+          </a:fillRef>
+          <a:effectRef idx="0">
+            <a:schemeClr val="accent1"/>
+          </a:effectRef>
+          <a:fontRef idx="minor">
+            <a:schemeClr val="tx1"/>
+          </a:fontRef>
+        </p:style>
+      </p:cxnSp>
+      <p:sp>
+        <p:nvSpPr>
+          <p:cNvPr id="15" name="文本框 14">
+            <a:extLst>
+              <a:ext uri="{FF2B5EF4-FFF2-40B4-BE49-F238E27FC236}">
+                <a16:creationId xmlns:a16="http://schemas.microsoft.com/office/drawing/2014/main" id="{1E94B3F9-C9B7-2C4D-8866-3A7D20FF6300}"/>
+              </a:ext>
+            </a:extLst>
+          </p:cNvPr>
+          <p:cNvSpPr txBox="1"/>
+          <p:nvPr/>
+        </p:nvSpPr>
+        <p:spPr>
+          <a:xfrm>
+            <a:off x="8172235" y="321973"/>
+            <a:ext cx="914033" cy="369332"/>
+          </a:xfrm>
+          <a:prstGeom prst="rect">
+            <a:avLst/>
+          </a:prstGeom>
+          <a:noFill/>
+        </p:spPr>
+        <p:txBody>
+          <a:bodyPr wrap="none" rtlCol="0">
+            <a:spAutoFit/>
+          </a:bodyPr>
+          <a:lstStyle/>
+          <a:p>
+            <a:r>
+              <a:rPr kumimoji="1" lang="en-US" altLang="zh-CN" dirty="0" err="1"/>
+              <a:t>yWmax</a:t>
+            </a:r>
+            <a:endParaRPr kumimoji="1" lang="zh-CN" altLang="en-US" dirty="0"/>
+          </a:p>
+        </p:txBody>
+      </p:sp>
+      <p:sp>
+        <p:nvSpPr>
+          <p:cNvPr id="16" name="文本框 15">
+            <a:extLst>
+              <a:ext uri="{FF2B5EF4-FFF2-40B4-BE49-F238E27FC236}">
+                <a16:creationId xmlns:a16="http://schemas.microsoft.com/office/drawing/2014/main" id="{F230406D-9E85-944D-9D53-EA63EFA5E624}"/>
+              </a:ext>
+            </a:extLst>
+          </p:cNvPr>
+          <p:cNvSpPr txBox="1"/>
+          <p:nvPr/>
+        </p:nvSpPr>
+        <p:spPr>
+          <a:xfrm>
+            <a:off x="8194676" y="3509425"/>
+            <a:ext cx="875561" cy="369332"/>
+          </a:xfrm>
+          <a:prstGeom prst="rect">
+            <a:avLst/>
+          </a:prstGeom>
+          <a:noFill/>
+        </p:spPr>
+        <p:txBody>
+          <a:bodyPr wrap="none" rtlCol="0">
+            <a:spAutoFit/>
+          </a:bodyPr>
+          <a:lstStyle/>
+          <a:p>
+            <a:r>
+              <a:rPr kumimoji="1" lang="en-US" altLang="zh-CN" dirty="0" err="1"/>
+              <a:t>yWmin</a:t>
+            </a:r>
+            <a:endParaRPr kumimoji="1" lang="zh-CN" altLang="en-US" dirty="0"/>
+          </a:p>
+        </p:txBody>
+      </p:sp>
+    </p:spTree>
+    <p:extLst>
+      <p:ext uri="{BB962C8B-B14F-4D97-AF65-F5344CB8AC3E}">
+        <p14:creationId xmlns:p14="http://schemas.microsoft.com/office/powerpoint/2010/main" val="3416328304"/>
+      </p:ext>
+    </p:extLst>
+  </p:cSld>
+  <p:clrMapOvr>
+    <a:masterClrMapping/>
+  </p:clrMapOvr>
+</p:sld>
+</file>
+
+<file path=ppt/slides/slide3.xml><?xml version="1.0" encoding="utf-8"?>
+<p:sld xmlns:a="http://schemas.openxmlformats.org/drawingml/2006/main" xmlns:r="http://schemas.openxmlformats.org/officeDocument/2006/relationships" xmlns:p="http://schemas.openxmlformats.org/presentationml/2006/main">
+  <p:cSld>
+    <p:spTree>
+      <p:nvGrpSpPr>
+        <p:cNvPr id="1" name=""/>
+        <p:cNvGrpSpPr/>
+        <p:nvPr/>
+      </p:nvGrpSpPr>
+      <p:grpSpPr>
+        <a:xfrm>
+          <a:off x="0" y="0"/>
+          <a:ext cx="0" cy="0"/>
+          <a:chOff x="0" y="0"/>
+          <a:chExt cx="0" cy="0"/>
+        </a:xfrm>
+      </p:grpSpPr>
+      <p:sp>
+        <p:nvSpPr>
+          <p:cNvPr id="4" name="矩形 3">
+            <a:extLst>
+              <a:ext uri="{FF2B5EF4-FFF2-40B4-BE49-F238E27FC236}">
+                <a16:creationId xmlns:a16="http://schemas.microsoft.com/office/drawing/2014/main" id="{186029F7-7E26-0B41-844B-1CB1E74289B8}"/>
+              </a:ext>
+            </a:extLst>
+          </p:cNvPr>
+          <p:cNvSpPr/>
+          <p:nvPr/>
+        </p:nvSpPr>
+        <p:spPr>
+          <a:xfrm>
+            <a:off x="2207171" y="915733"/>
+            <a:ext cx="4837572" cy="3166871"/>
+          </a:xfrm>
+          <a:prstGeom prst="rect">
+            <a:avLst/>
+          </a:prstGeom>
+          <a:noFill/>
+          <a:ln w="25400">
+            <a:solidFill>
+              <a:srgbClr val="FF0000"/>
+            </a:solidFill>
+          </a:ln>
+        </p:spPr>
+        <p:style>
+          <a:lnRef idx="2">
+            <a:schemeClr val="accent1">
+              <a:shade val="50000"/>
+            </a:schemeClr>
+          </a:lnRef>
+          <a:fillRef idx="1">
+            <a:schemeClr val="accent1"/>
+          </a:fillRef>
+          <a:effectRef idx="0">
+            <a:schemeClr val="accent1"/>
+          </a:effectRef>
+          <a:fontRef idx="minor">
+            <a:schemeClr val="lt1"/>
+          </a:fontRef>
+        </p:style>
+        <p:txBody>
+          <a:bodyPr rtlCol="0" anchor="ctr"/>
+          <a:lstStyle/>
+          <a:p>
+            <a:pPr algn="ctr"/>
+            <a:endParaRPr kumimoji="1" lang="zh-CN" altLang="en-US" dirty="0"/>
+          </a:p>
+        </p:txBody>
+      </p:sp>
+      <p:sp>
+        <p:nvSpPr>
+          <p:cNvPr id="5" name="文本框 4">
+            <a:extLst>
+              <a:ext uri="{FF2B5EF4-FFF2-40B4-BE49-F238E27FC236}">
+                <a16:creationId xmlns:a16="http://schemas.microsoft.com/office/drawing/2014/main" id="{8A94156B-F5BD-CB40-9295-B2ECB6C925BE}"/>
+              </a:ext>
+            </a:extLst>
+          </p:cNvPr>
+          <p:cNvSpPr txBox="1"/>
+          <p:nvPr/>
+        </p:nvSpPr>
+        <p:spPr>
+          <a:xfrm>
+            <a:off x="1772596" y="4911213"/>
+            <a:ext cx="869149" cy="369332"/>
+          </a:xfrm>
+          <a:prstGeom prst="rect">
+            <a:avLst/>
+          </a:prstGeom>
+          <a:noFill/>
+        </p:spPr>
+        <p:txBody>
+          <a:bodyPr wrap="none" rtlCol="0">
+            <a:spAutoFit/>
+          </a:bodyPr>
+          <a:lstStyle/>
+          <a:p>
+            <a:r>
+              <a:rPr kumimoji="1" lang="en-US" altLang="zh-CN" dirty="0" err="1"/>
+              <a:t>xWmin</a:t>
+            </a:r>
+            <a:endParaRPr kumimoji="1" lang="zh-CN" altLang="en-US" dirty="0"/>
+          </a:p>
+        </p:txBody>
+      </p:sp>
+      <p:sp>
+        <p:nvSpPr>
+          <p:cNvPr id="6" name="文本框 5">
+            <a:extLst>
+              <a:ext uri="{FF2B5EF4-FFF2-40B4-BE49-F238E27FC236}">
+                <a16:creationId xmlns:a16="http://schemas.microsoft.com/office/drawing/2014/main" id="{4AA5B2F6-A2CE-694F-A456-E1078D9E4658}"/>
+              </a:ext>
+            </a:extLst>
+          </p:cNvPr>
+          <p:cNvSpPr txBox="1"/>
+          <p:nvPr/>
+        </p:nvSpPr>
+        <p:spPr>
+          <a:xfrm>
+            <a:off x="6726078" y="4911213"/>
+            <a:ext cx="907621" cy="369332"/>
+          </a:xfrm>
+          <a:prstGeom prst="rect">
+            <a:avLst/>
+          </a:prstGeom>
+          <a:noFill/>
+        </p:spPr>
+        <p:txBody>
+          <a:bodyPr wrap="none" rtlCol="0">
+            <a:spAutoFit/>
+          </a:bodyPr>
+          <a:lstStyle/>
+          <a:p>
+            <a:r>
+              <a:rPr kumimoji="1" lang="en-US" altLang="zh-CN" dirty="0" err="1"/>
+              <a:t>xWmax</a:t>
+            </a:r>
+            <a:endParaRPr kumimoji="1" lang="zh-CN" altLang="en-US" dirty="0"/>
+          </a:p>
+        </p:txBody>
+      </p:sp>
+      <p:cxnSp>
+        <p:nvCxnSpPr>
+          <p:cNvPr id="3" name="直线连接符 2">
+            <a:extLst>
+              <a:ext uri="{FF2B5EF4-FFF2-40B4-BE49-F238E27FC236}">
+                <a16:creationId xmlns:a16="http://schemas.microsoft.com/office/drawing/2014/main" id="{D9BEBA26-C76C-3940-8B03-3EDBB20BA2E7}"/>
+              </a:ext>
+            </a:extLst>
+          </p:cNvPr>
+          <p:cNvCxnSpPr>
+            <a:cxnSpLocks/>
+          </p:cNvCxnSpPr>
+          <p:nvPr/>
+        </p:nvCxnSpPr>
+        <p:spPr>
+          <a:xfrm>
+            <a:off x="2207171" y="708341"/>
+            <a:ext cx="0" cy="4211392"/>
+          </a:xfrm>
+          <a:prstGeom prst="line">
+            <a:avLst/>
+          </a:prstGeom>
+          <a:ln w="12700">
+            <a:prstDash val="dash"/>
+          </a:ln>
+        </p:spPr>
+        <p:style>
+          <a:lnRef idx="1">
+            <a:schemeClr val="accent1"/>
+          </a:lnRef>
+          <a:fillRef idx="0">
+            <a:schemeClr val="accent1"/>
+          </a:fillRef>
+          <a:effectRef idx="0">
+            <a:schemeClr val="accent1"/>
+          </a:effectRef>
+          <a:fontRef idx="minor">
+            <a:schemeClr val="tx1"/>
+          </a:fontRef>
+        </p:style>
+      </p:cxnSp>
+      <p:cxnSp>
+        <p:nvCxnSpPr>
+          <p:cNvPr id="10" name="直线连接符 9">
+            <a:extLst>
+              <a:ext uri="{FF2B5EF4-FFF2-40B4-BE49-F238E27FC236}">
+                <a16:creationId xmlns:a16="http://schemas.microsoft.com/office/drawing/2014/main" id="{4C02D664-2151-A747-B3A2-D9D23CCF830E}"/>
+              </a:ext>
+            </a:extLst>
+          </p:cNvPr>
+          <p:cNvCxnSpPr>
+            <a:cxnSpLocks/>
+          </p:cNvCxnSpPr>
+          <p:nvPr/>
+        </p:nvCxnSpPr>
+        <p:spPr>
+          <a:xfrm>
+            <a:off x="7044743" y="708341"/>
+            <a:ext cx="0" cy="4211392"/>
+          </a:xfrm>
+          <a:prstGeom prst="line">
+            <a:avLst/>
+          </a:prstGeom>
+          <a:ln w="12700">
+            <a:prstDash val="dash"/>
+          </a:ln>
+        </p:spPr>
+        <p:style>
+          <a:lnRef idx="1">
+            <a:schemeClr val="accent1"/>
+          </a:lnRef>
+          <a:fillRef idx="0">
+            <a:schemeClr val="accent1"/>
+          </a:fillRef>
+          <a:effectRef idx="0">
+            <a:schemeClr val="accent1"/>
+          </a:effectRef>
+          <a:fontRef idx="minor">
+            <a:schemeClr val="tx1"/>
+          </a:fontRef>
+        </p:style>
+      </p:cxnSp>
+      <p:cxnSp>
+        <p:nvCxnSpPr>
+          <p:cNvPr id="11" name="直线连接符 10">
+            <a:extLst>
+              <a:ext uri="{FF2B5EF4-FFF2-40B4-BE49-F238E27FC236}">
+                <a16:creationId xmlns:a16="http://schemas.microsoft.com/office/drawing/2014/main" id="{C4FF5517-721D-B043-B4E7-3A34F0C88083}"/>
+              </a:ext>
+            </a:extLst>
+          </p:cNvPr>
+          <p:cNvCxnSpPr>
+            <a:cxnSpLocks/>
+          </p:cNvCxnSpPr>
+          <p:nvPr/>
+        </p:nvCxnSpPr>
+        <p:spPr>
+          <a:xfrm flipH="1" flipV="1">
+            <a:off x="1916806" y="4080459"/>
+            <a:ext cx="6055217" cy="2145"/>
+          </a:xfrm>
+          <a:prstGeom prst="line">
+            <a:avLst/>
+          </a:prstGeom>
+          <a:ln w="12700">
+            <a:prstDash val="dash"/>
+          </a:ln>
+        </p:spPr>
+        <p:style>
+          <a:lnRef idx="1">
+            <a:schemeClr val="accent1"/>
+          </a:lnRef>
+          <a:fillRef idx="0">
+            <a:schemeClr val="accent1"/>
+          </a:fillRef>
+          <a:effectRef idx="0">
+            <a:schemeClr val="accent1"/>
+          </a:effectRef>
+          <a:fontRef idx="minor">
+            <a:schemeClr val="tx1"/>
+          </a:fontRef>
+        </p:style>
+      </p:cxnSp>
+      <p:cxnSp>
+        <p:nvCxnSpPr>
+          <p:cNvPr id="14" name="直线连接符 13">
+            <a:extLst>
+              <a:ext uri="{FF2B5EF4-FFF2-40B4-BE49-F238E27FC236}">
+                <a16:creationId xmlns:a16="http://schemas.microsoft.com/office/drawing/2014/main" id="{0EDE15EF-DD00-D149-B0F6-945837ADA1E5}"/>
+              </a:ext>
+            </a:extLst>
+          </p:cNvPr>
+          <p:cNvCxnSpPr>
+            <a:cxnSpLocks/>
+          </p:cNvCxnSpPr>
+          <p:nvPr/>
+        </p:nvCxnSpPr>
+        <p:spPr>
+          <a:xfrm flipH="1" flipV="1">
+            <a:off x="1916806" y="913588"/>
+            <a:ext cx="6055217" cy="2145"/>
+          </a:xfrm>
+          <a:prstGeom prst="line">
+            <a:avLst/>
+          </a:prstGeom>
+          <a:ln w="12700">
+            <a:prstDash val="dash"/>
+          </a:ln>
+        </p:spPr>
+        <p:style>
+          <a:lnRef idx="1">
+            <a:schemeClr val="accent1"/>
+          </a:lnRef>
+          <a:fillRef idx="0">
+            <a:schemeClr val="accent1"/>
+          </a:fillRef>
+          <a:effectRef idx="0">
+            <a:schemeClr val="accent1"/>
+          </a:effectRef>
+          <a:fontRef idx="minor">
+            <a:schemeClr val="tx1"/>
+          </a:fontRef>
+        </p:style>
+      </p:cxnSp>
+      <p:sp>
+        <p:nvSpPr>
+          <p:cNvPr id="15" name="文本框 14">
+            <a:extLst>
+              <a:ext uri="{FF2B5EF4-FFF2-40B4-BE49-F238E27FC236}">
+                <a16:creationId xmlns:a16="http://schemas.microsoft.com/office/drawing/2014/main" id="{1E94B3F9-C9B7-2C4D-8866-3A7D20FF6300}"/>
+              </a:ext>
+            </a:extLst>
+          </p:cNvPr>
+          <p:cNvSpPr txBox="1"/>
+          <p:nvPr/>
+        </p:nvSpPr>
+        <p:spPr>
+          <a:xfrm>
+            <a:off x="8172235" y="708341"/>
+            <a:ext cx="914033" cy="369332"/>
+          </a:xfrm>
+          <a:prstGeom prst="rect">
+            <a:avLst/>
+          </a:prstGeom>
+          <a:noFill/>
+        </p:spPr>
+        <p:txBody>
+          <a:bodyPr wrap="none" rtlCol="0">
+            <a:spAutoFit/>
+          </a:bodyPr>
+          <a:lstStyle/>
+          <a:p>
+            <a:r>
+              <a:rPr kumimoji="1" lang="en-US" altLang="zh-CN" dirty="0" err="1"/>
+              <a:t>yWmax</a:t>
+            </a:r>
+            <a:endParaRPr kumimoji="1" lang="zh-CN" altLang="en-US" dirty="0"/>
+          </a:p>
+        </p:txBody>
+      </p:sp>
+      <p:sp>
+        <p:nvSpPr>
+          <p:cNvPr id="16" name="文本框 15">
+            <a:extLst>
+              <a:ext uri="{FF2B5EF4-FFF2-40B4-BE49-F238E27FC236}">
+                <a16:creationId xmlns:a16="http://schemas.microsoft.com/office/drawing/2014/main" id="{F230406D-9E85-944D-9D53-EA63EFA5E624}"/>
+              </a:ext>
+            </a:extLst>
+          </p:cNvPr>
+          <p:cNvSpPr txBox="1"/>
+          <p:nvPr/>
+        </p:nvSpPr>
+        <p:spPr>
+          <a:xfrm>
+            <a:off x="8194676" y="3895793"/>
+            <a:ext cx="875561" cy="369332"/>
+          </a:xfrm>
+          <a:prstGeom prst="rect">
+            <a:avLst/>
+          </a:prstGeom>
+          <a:noFill/>
+        </p:spPr>
+        <p:txBody>
+          <a:bodyPr wrap="none" rtlCol="0">
+            <a:spAutoFit/>
+          </a:bodyPr>
+          <a:lstStyle/>
+          <a:p>
+            <a:r>
+              <a:rPr kumimoji="1" lang="en-US" altLang="zh-CN" dirty="0" err="1"/>
+              <a:t>yWmin</a:t>
+            </a:r>
+            <a:endParaRPr kumimoji="1" lang="zh-CN" altLang="en-US" dirty="0"/>
+          </a:p>
+        </p:txBody>
+      </p:sp>
+      <p:cxnSp>
+        <p:nvCxnSpPr>
+          <p:cNvPr id="7" name="直线连接符 6">
+            <a:extLst>
+              <a:ext uri="{FF2B5EF4-FFF2-40B4-BE49-F238E27FC236}">
+                <a16:creationId xmlns:a16="http://schemas.microsoft.com/office/drawing/2014/main" id="{01C4315A-A5D4-8540-AB55-12F3FA1E5F0B}"/>
+              </a:ext>
+            </a:extLst>
+          </p:cNvPr>
+          <p:cNvCxnSpPr/>
+          <p:nvPr/>
+        </p:nvCxnSpPr>
+        <p:spPr>
+          <a:xfrm>
+            <a:off x="1107583" y="708341"/>
+            <a:ext cx="0" cy="3876540"/>
+          </a:xfrm>
+          <a:prstGeom prst="line">
+            <a:avLst/>
+          </a:prstGeom>
+          <a:ln w="12700">
+            <a:solidFill>
+              <a:schemeClr val="accent6"/>
+            </a:solidFill>
+          </a:ln>
+        </p:spPr>
+        <p:style>
+          <a:lnRef idx="1">
+            <a:schemeClr val="accent1"/>
+          </a:lnRef>
+          <a:fillRef idx="0">
+            <a:schemeClr val="accent1"/>
+          </a:fillRef>
+          <a:effectRef idx="0">
+            <a:schemeClr val="accent1"/>
+          </a:effectRef>
+          <a:fontRef idx="minor">
+            <a:schemeClr val="tx1"/>
+          </a:fontRef>
+        </p:style>
+      </p:cxnSp>
+      <p:cxnSp>
+        <p:nvCxnSpPr>
+          <p:cNvPr id="13" name="直线连接符 12">
+            <a:extLst>
+              <a:ext uri="{FF2B5EF4-FFF2-40B4-BE49-F238E27FC236}">
+                <a16:creationId xmlns:a16="http://schemas.microsoft.com/office/drawing/2014/main" id="{5AC6D945-A7E1-2347-A2AA-F374B408C590}"/>
+              </a:ext>
+            </a:extLst>
+          </p:cNvPr>
+          <p:cNvCxnSpPr/>
+          <p:nvPr/>
+        </p:nvCxnSpPr>
+        <p:spPr>
+          <a:xfrm>
+            <a:off x="7763814" y="708341"/>
+            <a:ext cx="0" cy="3876540"/>
+          </a:xfrm>
+          <a:prstGeom prst="line">
+            <a:avLst/>
+          </a:prstGeom>
+          <a:ln w="12700">
+            <a:solidFill>
+              <a:schemeClr val="accent6"/>
+            </a:solidFill>
+          </a:ln>
+        </p:spPr>
+        <p:style>
+          <a:lnRef idx="1">
+            <a:schemeClr val="accent1"/>
+          </a:lnRef>
+          <a:fillRef idx="0">
+            <a:schemeClr val="accent1"/>
+          </a:fillRef>
+          <a:effectRef idx="0">
+            <a:schemeClr val="accent1"/>
+          </a:effectRef>
+          <a:fontRef idx="minor">
+            <a:schemeClr val="tx1"/>
+          </a:fontRef>
+        </p:style>
+      </p:cxnSp>
+      <p:cxnSp>
+        <p:nvCxnSpPr>
+          <p:cNvPr id="17" name="直线连接符 16">
+            <a:extLst>
+              <a:ext uri="{FF2B5EF4-FFF2-40B4-BE49-F238E27FC236}">
+                <a16:creationId xmlns:a16="http://schemas.microsoft.com/office/drawing/2014/main" id="{79918629-4B43-934F-8762-685F179D96A0}"/>
+              </a:ext>
+            </a:extLst>
+          </p:cNvPr>
+          <p:cNvCxnSpPr>
+            <a:cxnSpLocks/>
+          </p:cNvCxnSpPr>
+          <p:nvPr/>
+        </p:nvCxnSpPr>
+        <p:spPr>
+          <a:xfrm flipH="1">
+            <a:off x="1916806" y="4604404"/>
+            <a:ext cx="5567966" cy="0"/>
+          </a:xfrm>
+          <a:prstGeom prst="line">
+            <a:avLst/>
+          </a:prstGeom>
+          <a:ln w="12700">
+            <a:solidFill>
+              <a:schemeClr val="accent6"/>
+            </a:solidFill>
+          </a:ln>
+        </p:spPr>
+        <p:style>
+          <a:lnRef idx="1">
+            <a:schemeClr val="accent1"/>
+          </a:lnRef>
+          <a:fillRef idx="0">
+            <a:schemeClr val="accent1"/>
+          </a:fillRef>
+          <a:effectRef idx="0">
+            <a:schemeClr val="accent1"/>
+          </a:effectRef>
+          <a:fontRef idx="minor">
+            <a:schemeClr val="tx1"/>
+          </a:fontRef>
+        </p:style>
+      </p:cxnSp>
+      <p:cxnSp>
+        <p:nvCxnSpPr>
+          <p:cNvPr id="18" name="直线连接符 17">
+            <a:extLst>
+              <a:ext uri="{FF2B5EF4-FFF2-40B4-BE49-F238E27FC236}">
+                <a16:creationId xmlns:a16="http://schemas.microsoft.com/office/drawing/2014/main" id="{471A0DE6-3509-7144-A53F-D6040AF9F5EA}"/>
+              </a:ext>
+            </a:extLst>
+          </p:cNvPr>
+          <p:cNvCxnSpPr>
+            <a:cxnSpLocks/>
+          </p:cNvCxnSpPr>
+          <p:nvPr/>
+        </p:nvCxnSpPr>
+        <p:spPr>
+          <a:xfrm flipH="1">
+            <a:off x="1916806" y="386368"/>
+            <a:ext cx="5567966" cy="0"/>
+          </a:xfrm>
+          <a:prstGeom prst="line">
+            <a:avLst/>
+          </a:prstGeom>
+          <a:ln w="12700">
+            <a:solidFill>
+              <a:schemeClr val="accent6"/>
+            </a:solidFill>
+          </a:ln>
+        </p:spPr>
+        <p:style>
+          <a:lnRef idx="1">
+            <a:schemeClr val="accent1"/>
+          </a:lnRef>
+          <a:fillRef idx="0">
+            <a:schemeClr val="accent1"/>
+          </a:fillRef>
+          <a:effectRef idx="0">
+            <a:schemeClr val="accent1"/>
+          </a:effectRef>
+          <a:fontRef idx="minor">
+            <a:schemeClr val="tx1"/>
+          </a:fontRef>
+        </p:style>
+      </p:cxnSp>
+    </p:spTree>
+    <p:extLst>
+      <p:ext uri="{BB962C8B-B14F-4D97-AF65-F5344CB8AC3E}">
+        <p14:creationId xmlns:p14="http://schemas.microsoft.com/office/powerpoint/2010/main" val="1797084184"/>
       </p:ext>
     </p:extLst>
   </p:cSld>
